--- a/簡報1.pptx
+++ b/簡報1.pptx
@@ -7,7 +7,6 @@
   <p:sldIdLst>
     <p:sldId id="256" r:id="rId2"/>
     <p:sldId id="257" r:id="rId3"/>
-    <p:sldId id="258" r:id="rId4"/>
   </p:sldIdLst>
   <p:sldSz cx="12192000" cy="6858000"/>
   <p:notesSz cx="6858000" cy="9144000"/>
@@ -245,7 +244,7 @@
           <a:p>
             <a:fld id="{F5BB2E8B-B25E-4464-B473-8B19664A3A44}" type="datetimeFigureOut">
               <a:rPr lang="zh-TW" altLang="en-US" smtClean="0"/>
-              <a:t>2025/3/31</a:t>
+              <a:t>2025/4/1</a:t>
             </a:fld>
             <a:endParaRPr lang="zh-TW" altLang="en-US"/>
           </a:p>
@@ -415,7 +414,7 @@
           <a:p>
             <a:fld id="{F5BB2E8B-B25E-4464-B473-8B19664A3A44}" type="datetimeFigureOut">
               <a:rPr lang="zh-TW" altLang="en-US" smtClean="0"/>
-              <a:t>2025/3/31</a:t>
+              <a:t>2025/4/1</a:t>
             </a:fld>
             <a:endParaRPr lang="zh-TW" altLang="en-US"/>
           </a:p>
@@ -595,7 +594,7 @@
           <a:p>
             <a:fld id="{F5BB2E8B-B25E-4464-B473-8B19664A3A44}" type="datetimeFigureOut">
               <a:rPr lang="zh-TW" altLang="en-US" smtClean="0"/>
-              <a:t>2025/3/31</a:t>
+              <a:t>2025/4/1</a:t>
             </a:fld>
             <a:endParaRPr lang="zh-TW" altLang="en-US"/>
           </a:p>
@@ -765,7 +764,7 @@
           <a:p>
             <a:fld id="{F5BB2E8B-B25E-4464-B473-8B19664A3A44}" type="datetimeFigureOut">
               <a:rPr lang="zh-TW" altLang="en-US" smtClean="0"/>
-              <a:t>2025/3/31</a:t>
+              <a:t>2025/4/1</a:t>
             </a:fld>
             <a:endParaRPr lang="zh-TW" altLang="en-US"/>
           </a:p>
@@ -1011,7 +1010,7 @@
           <a:p>
             <a:fld id="{F5BB2E8B-B25E-4464-B473-8B19664A3A44}" type="datetimeFigureOut">
               <a:rPr lang="zh-TW" altLang="en-US" smtClean="0"/>
-              <a:t>2025/3/31</a:t>
+              <a:t>2025/4/1</a:t>
             </a:fld>
             <a:endParaRPr lang="zh-TW" altLang="en-US"/>
           </a:p>
@@ -1243,7 +1242,7 @@
           <a:p>
             <a:fld id="{F5BB2E8B-B25E-4464-B473-8B19664A3A44}" type="datetimeFigureOut">
               <a:rPr lang="zh-TW" altLang="en-US" smtClean="0"/>
-              <a:t>2025/3/31</a:t>
+              <a:t>2025/4/1</a:t>
             </a:fld>
             <a:endParaRPr lang="zh-TW" altLang="en-US"/>
           </a:p>
@@ -1610,7 +1609,7 @@
           <a:p>
             <a:fld id="{F5BB2E8B-B25E-4464-B473-8B19664A3A44}" type="datetimeFigureOut">
               <a:rPr lang="zh-TW" altLang="en-US" smtClean="0"/>
-              <a:t>2025/3/31</a:t>
+              <a:t>2025/4/1</a:t>
             </a:fld>
             <a:endParaRPr lang="zh-TW" altLang="en-US"/>
           </a:p>
@@ -1728,7 +1727,7 @@
           <a:p>
             <a:fld id="{F5BB2E8B-B25E-4464-B473-8B19664A3A44}" type="datetimeFigureOut">
               <a:rPr lang="zh-TW" altLang="en-US" smtClean="0"/>
-              <a:t>2025/3/31</a:t>
+              <a:t>2025/4/1</a:t>
             </a:fld>
             <a:endParaRPr lang="zh-TW" altLang="en-US"/>
           </a:p>
@@ -1823,7 +1822,7 @@
           <a:p>
             <a:fld id="{F5BB2E8B-B25E-4464-B473-8B19664A3A44}" type="datetimeFigureOut">
               <a:rPr lang="zh-TW" altLang="en-US" smtClean="0"/>
-              <a:t>2025/3/31</a:t>
+              <a:t>2025/4/1</a:t>
             </a:fld>
             <a:endParaRPr lang="zh-TW" altLang="en-US"/>
           </a:p>
@@ -2100,7 +2099,7 @@
           <a:p>
             <a:fld id="{F5BB2E8B-B25E-4464-B473-8B19664A3A44}" type="datetimeFigureOut">
               <a:rPr lang="zh-TW" altLang="en-US" smtClean="0"/>
-              <a:t>2025/3/31</a:t>
+              <a:t>2025/4/1</a:t>
             </a:fld>
             <a:endParaRPr lang="zh-TW" altLang="en-US"/>
           </a:p>
@@ -2353,7 +2352,7 @@
           <a:p>
             <a:fld id="{F5BB2E8B-B25E-4464-B473-8B19664A3A44}" type="datetimeFigureOut">
               <a:rPr lang="zh-TW" altLang="en-US" smtClean="0"/>
-              <a:t>2025/3/31</a:t>
+              <a:t>2025/4/1</a:t>
             </a:fld>
             <a:endParaRPr lang="zh-TW" altLang="en-US"/>
           </a:p>
@@ -2566,7 +2565,7 @@
           <a:p>
             <a:fld id="{F5BB2E8B-B25E-4464-B473-8B19664A3A44}" type="datetimeFigureOut">
               <a:rPr lang="zh-TW" altLang="en-US" smtClean="0"/>
-              <a:t>2025/3/31</a:t>
+              <a:t>2025/4/1</a:t>
             </a:fld>
             <a:endParaRPr lang="zh-TW" altLang="en-US"/>
           </a:p>
@@ -3855,8 +3854,8 @@
           </p:nvSpPr>
           <p:spPr>
             <a:xfrm>
-              <a:off x="7714154" y="3152014"/>
-              <a:ext cx="1146468" cy="1200329"/>
+              <a:off x="7592327" y="3152014"/>
+              <a:ext cx="1390124" cy="1384995"/>
             </a:xfrm>
             <a:prstGeom prst="rect">
               <a:avLst/>
@@ -3938,7 +3937,35 @@
               </a:r>
               <a:r>
                 <a:rPr lang="zh-TW" altLang="en-US" sz="1200" dirty="0" smtClean="0"/>
-                <a:t>取得證書</a:t>
+                <a:t>取得</a:t>
+              </a:r>
+              <a:r>
+                <a:rPr lang="zh-TW" altLang="en-US" sz="1200" dirty="0" smtClean="0"/>
+                <a:t>證書</a:t>
+              </a:r>
+              <a:endParaRPr lang="en-US" altLang="zh-TW" sz="1200" dirty="0" smtClean="0"/>
+            </a:p>
+            <a:p>
+              <a:pPr algn="ctr"/>
+              <a:r>
+                <a:rPr lang="zh-TW" altLang="en-US" sz="1200" dirty="0" smtClean="0"/>
+                <a:t>完成 </a:t>
+              </a:r>
+              <a:r>
+                <a:rPr lang="en-US" altLang="zh-TW" sz="1200" dirty="0" smtClean="0"/>
+                <a:t>[</a:t>
+              </a:r>
+              <a:r>
+                <a:rPr lang="zh-TW" altLang="en-US" sz="1200" dirty="0" smtClean="0"/>
+                <a:t>貪食蛇</a:t>
+              </a:r>
+              <a:r>
+                <a:rPr lang="en-US" altLang="zh-TW" sz="1200" dirty="0" smtClean="0"/>
+                <a:t>]</a:t>
+              </a:r>
+              <a:r>
+                <a:rPr lang="zh-TW" altLang="en-US" sz="1200" dirty="0" smtClean="0"/>
+                <a:t>專案</a:t>
               </a:r>
               <a:endParaRPr lang="zh-TW" altLang="en-US" sz="1200" dirty="0"/>
             </a:p>
@@ -4440,7 +4467,7 @@
           <p:nvPr>
             <p:extLst>
               <p:ext uri="{D42A27DB-BD31-4B8C-83A1-F6EECF244321}">
-                <p14:modId xmlns:p14="http://schemas.microsoft.com/office/powerpoint/2010/main" val="3867119670"/>
+                <p14:modId xmlns:p14="http://schemas.microsoft.com/office/powerpoint/2010/main" val="259654096"/>
               </p:ext>
             </p:extLst>
           </p:nvPr>
@@ -5221,7 +5248,21 @@
                       </a:r>
                       <a:r>
                         <a:rPr lang="en-US" altLang="zh-TW" sz="1600" dirty="0" smtClean="0"/>
-                        <a:t>: ???</a:t>
+                        <a:t>: </a:t>
+                      </a:r>
+                      <a:r>
+                        <a:rPr lang="en-US" altLang="zh-TW" sz="1600" dirty="0" smtClean="0"/>
+                        <a:t>???</a:t>
+                      </a:r>
+                    </a:p>
+                    <a:p>
+                      <a:r>
+                        <a:rPr lang="zh-TW" altLang="en-US" sz="1600" dirty="0" smtClean="0"/>
+                        <a:t>貪食蛇連結</a:t>
+                      </a:r>
+                      <a:r>
+                        <a:rPr lang="en-US" altLang="zh-TW" sz="1600" smtClean="0"/>
+                        <a:t>: XXXXX</a:t>
                       </a:r>
                       <a:endParaRPr lang="zh-TW" altLang="en-US" sz="1600" dirty="0"/>
                     </a:p>
@@ -5919,437 +5960,6 @@
     <p:extLst>
       <p:ext uri="{BB962C8B-B14F-4D97-AF65-F5344CB8AC3E}">
         <p14:creationId xmlns:p14="http://schemas.microsoft.com/office/powerpoint/2010/main" val="2139096683"/>
-      </p:ext>
-    </p:extLst>
-  </p:cSld>
-  <p:clrMapOvr>
-    <a:masterClrMapping/>
-  </p:clrMapOvr>
-</p:sld>
-</file>
-
-<file path=ppt/slides/slide3.xml><?xml version="1.0" encoding="utf-8"?>
-<p:sld xmlns:a="http://schemas.openxmlformats.org/drawingml/2006/main" xmlns:r="http://schemas.openxmlformats.org/officeDocument/2006/relationships" xmlns:p="http://schemas.openxmlformats.org/presentationml/2006/main">
-  <p:cSld>
-    <p:spTree>
-      <p:nvGrpSpPr>
-        <p:cNvPr id="1" name=""/>
-        <p:cNvGrpSpPr/>
-        <p:nvPr/>
-      </p:nvGrpSpPr>
-      <p:grpSpPr>
-        <a:xfrm>
-          <a:off x="0" y="0"/>
-          <a:ext cx="0" cy="0"/>
-          <a:chOff x="0" y="0"/>
-          <a:chExt cx="0" cy="0"/>
-        </a:xfrm>
-      </p:grpSpPr>
-      <p:sp>
-        <p:nvSpPr>
-          <p:cNvPr id="4" name="文字方塊 3"/>
-          <p:cNvSpPr txBox="1"/>
-          <p:nvPr/>
-        </p:nvSpPr>
-        <p:spPr>
-          <a:xfrm>
-            <a:off x="2796267" y="0"/>
-            <a:ext cx="6478055" cy="461665"/>
-          </a:xfrm>
-          <a:prstGeom prst="rect">
-            <a:avLst/>
-          </a:prstGeom>
-          <a:noFill/>
-        </p:spPr>
-        <p:txBody>
-          <a:bodyPr wrap="none" rtlCol="0">
-            <a:spAutoFit/>
-          </a:bodyPr>
-          <a:lstStyle/>
-          <a:p>
-            <a:r>
-              <a:rPr lang="en-US" altLang="zh-TW" sz="2400" b="1" dirty="0" smtClean="0"/>
-              <a:t>&lt;&lt;</a:t>
-            </a:r>
-            <a:r>
-              <a:rPr lang="zh-TW" altLang="en-US" sz="2400" b="1" dirty="0" smtClean="0"/>
-              <a:t>與資訊類相關</a:t>
-            </a:r>
-            <a:r>
-              <a:rPr lang="zh-TW" altLang="en-US" sz="2400" b="1" dirty="0" smtClean="0">
-                <a:latin typeface="新細明體" panose="02020500000000000000" pitchFamily="18" charset="-120"/>
-                <a:ea typeface="新細明體" panose="02020500000000000000" pitchFamily="18" charset="-120"/>
-              </a:rPr>
-              <a:t>˙自主學習</a:t>
-            </a:r>
-            <a:r>
-              <a:rPr lang="zh-TW" altLang="en-US" sz="2400" b="1" dirty="0">
-                <a:latin typeface="新細明體" panose="02020500000000000000" pitchFamily="18" charset="-120"/>
-                <a:ea typeface="新細明體" panose="02020500000000000000" pitchFamily="18" charset="-120"/>
-              </a:rPr>
-              <a:t>及</a:t>
-            </a:r>
-            <a:r>
-              <a:rPr lang="zh-TW" altLang="en-US" sz="2400" b="1" dirty="0" smtClean="0"/>
-              <a:t>多元表現  </a:t>
-            </a:r>
-            <a:r>
-              <a:rPr lang="zh-TW" altLang="en-US" sz="2400" b="1" dirty="0"/>
-              <a:t>心得</a:t>
-            </a:r>
-            <a:r>
-              <a:rPr lang="en-US" altLang="zh-TW" sz="2400" b="1" dirty="0" smtClean="0"/>
-              <a:t>&gt;&gt;</a:t>
-            </a:r>
-            <a:endParaRPr lang="zh-TW" altLang="en-US" sz="2400" b="1" dirty="0"/>
-          </a:p>
-        </p:txBody>
-      </p:sp>
-      <p:sp>
-        <p:nvSpPr>
-          <p:cNvPr id="2" name="文字方塊 1"/>
-          <p:cNvSpPr txBox="1"/>
-          <p:nvPr/>
-        </p:nvSpPr>
-        <p:spPr>
-          <a:xfrm>
-            <a:off x="282389" y="1277470"/>
-            <a:ext cx="11050333" cy="3416320"/>
-          </a:xfrm>
-          <a:prstGeom prst="rect">
-            <a:avLst/>
-          </a:prstGeom>
-          <a:noFill/>
-        </p:spPr>
-        <p:txBody>
-          <a:bodyPr wrap="none" rtlCol="0">
-            <a:spAutoFit/>
-          </a:bodyPr>
-          <a:lstStyle/>
-          <a:p>
-            <a:pPr marL="285750" indent="-285750">
-              <a:buFont typeface="Wingdings" panose="05000000000000000000" pitchFamily="2" charset="2"/>
-              <a:buChar char="l"/>
-            </a:pPr>
-            <a:r>
-              <a:rPr lang="zh-TW" altLang="en-US" dirty="0" smtClean="0"/>
-              <a:t>原本並不是把資訊類科系當成大學志願</a:t>
-            </a:r>
-            <a:r>
-              <a:rPr lang="en-US" altLang="zh-TW" dirty="0" smtClean="0"/>
-              <a:t>, </a:t>
-            </a:r>
-            <a:r>
-              <a:rPr lang="zh-TW" altLang="en-US" dirty="0" smtClean="0"/>
-              <a:t>但是高二選組後</a:t>
-            </a:r>
-            <a:r>
-              <a:rPr lang="en-US" altLang="zh-TW" dirty="0" smtClean="0"/>
-              <a:t>, </a:t>
-            </a:r>
-            <a:r>
-              <a:rPr lang="zh-TW" altLang="en-US" dirty="0" smtClean="0"/>
-              <a:t>發覺生物表現也只有差強人意</a:t>
-            </a:r>
-            <a:r>
-              <a:rPr lang="en-US" altLang="zh-TW" dirty="0" smtClean="0"/>
-              <a:t>,</a:t>
-            </a:r>
-          </a:p>
-          <a:p>
-            <a:r>
-              <a:rPr lang="zh-TW" altLang="en-US" dirty="0" smtClean="0"/>
-              <a:t>加上</a:t>
-            </a:r>
-            <a:r>
-              <a:rPr lang="zh-TW" altLang="en-US" dirty="0"/>
-              <a:t>跟</a:t>
-            </a:r>
-            <a:r>
-              <a:rPr lang="zh-TW" altLang="en-US" dirty="0" smtClean="0"/>
-              <a:t>生物老師做小論文時</a:t>
-            </a:r>
-            <a:r>
-              <a:rPr lang="en-US" altLang="zh-TW" dirty="0" smtClean="0"/>
-              <a:t>,</a:t>
-            </a:r>
-            <a:r>
-              <a:rPr lang="zh-TW" altLang="en-US" dirty="0"/>
-              <a:t>生物老師一句話</a:t>
-            </a:r>
-            <a:r>
-              <a:rPr lang="en-US" altLang="zh-TW" dirty="0"/>
-              <a:t>:”</a:t>
-            </a:r>
-            <a:r>
-              <a:rPr lang="zh-TW" altLang="en-US" dirty="0"/>
-              <a:t>很多專業的資料分析師都用</a:t>
-            </a:r>
-            <a:r>
-              <a:rPr lang="en-US" altLang="zh-TW" dirty="0"/>
-              <a:t>Python”</a:t>
-            </a:r>
-          </a:p>
-          <a:p>
-            <a:r>
-              <a:rPr lang="en-US" altLang="zh-TW" dirty="0" smtClean="0"/>
-              <a:t>, </a:t>
-            </a:r>
-            <a:r>
-              <a:rPr lang="zh-TW" altLang="en-US" dirty="0" smtClean="0"/>
-              <a:t>程式不是只有運算而以</a:t>
-            </a:r>
-            <a:r>
-              <a:rPr lang="en-US" altLang="zh-TW" dirty="0" smtClean="0"/>
-              <a:t>, </a:t>
-            </a:r>
-            <a:r>
-              <a:rPr lang="zh-TW" altLang="en-US" dirty="0" smtClean="0"/>
-              <a:t>居然可以做數據分析</a:t>
-            </a:r>
-            <a:r>
-              <a:rPr lang="en-US" altLang="zh-TW" dirty="0" smtClean="0"/>
-              <a:t>, </a:t>
-            </a:r>
-          </a:p>
-          <a:p>
-            <a:r>
-              <a:rPr lang="zh-TW" altLang="en-US" dirty="0" smtClean="0"/>
-              <a:t>讓我重新燃起資訊類領域探詢</a:t>
-            </a:r>
-            <a:r>
-              <a:rPr lang="en-US" altLang="zh-TW" dirty="0" smtClean="0"/>
-              <a:t>.</a:t>
-            </a:r>
-          </a:p>
-          <a:p>
-            <a:endParaRPr lang="en-US" altLang="zh-TW" dirty="0"/>
-          </a:p>
-          <a:p>
-            <a:pPr marL="285750" indent="-285750">
-              <a:buFont typeface="Wingdings" panose="05000000000000000000" pitchFamily="2" charset="2"/>
-              <a:buChar char="l"/>
-            </a:pPr>
-            <a:r>
-              <a:rPr lang="zh-TW" altLang="en-US" dirty="0" smtClean="0"/>
-              <a:t>小論文在做登革熱病媒蚊指數</a:t>
-            </a:r>
-            <a:r>
-              <a:rPr lang="en-US" altLang="zh-TW" dirty="0" smtClean="0"/>
-              <a:t>(</a:t>
-            </a:r>
-            <a:r>
-              <a:rPr lang="zh-TW" altLang="en-US" dirty="0" smtClean="0"/>
-              <a:t>布式指數</a:t>
-            </a:r>
-            <a:r>
-              <a:rPr lang="en-US" altLang="zh-TW" dirty="0" smtClean="0"/>
-              <a:t>)</a:t>
-            </a:r>
-            <a:r>
-              <a:rPr lang="zh-TW" altLang="en-US" dirty="0" smtClean="0"/>
-              <a:t>及</a:t>
-            </a:r>
-            <a:r>
-              <a:rPr lang="en-US" altLang="zh-TW" dirty="0" smtClean="0"/>
-              <a:t>(</a:t>
-            </a:r>
-            <a:r>
-              <a:rPr lang="zh-TW" altLang="en-US" dirty="0" smtClean="0"/>
-              <a:t>誘軟桶指數</a:t>
-            </a:r>
-            <a:r>
-              <a:rPr lang="en-US" altLang="zh-TW" dirty="0" smtClean="0"/>
-              <a:t>)</a:t>
-            </a:r>
-            <a:r>
-              <a:rPr lang="zh-TW" altLang="en-US" dirty="0" smtClean="0"/>
-              <a:t>分析過程</a:t>
-            </a:r>
-            <a:r>
-              <a:rPr lang="en-US" altLang="zh-TW" dirty="0" smtClean="0"/>
-              <a:t>, </a:t>
-            </a:r>
-            <a:r>
-              <a:rPr lang="zh-TW" altLang="en-US" dirty="0" smtClean="0"/>
-              <a:t>由於數據龐大</a:t>
-            </a:r>
-            <a:r>
-              <a:rPr lang="en-US" altLang="zh-TW" dirty="0" smtClean="0"/>
-              <a:t>, </a:t>
-            </a:r>
-            <a:r>
-              <a:rPr lang="zh-TW" altLang="en-US" dirty="0" smtClean="0"/>
-              <a:t>必須先手動整理資料後</a:t>
-            </a:r>
-            <a:r>
-              <a:rPr lang="en-US" altLang="zh-TW" dirty="0" smtClean="0"/>
-              <a:t>,</a:t>
-            </a:r>
-          </a:p>
-          <a:p>
-            <a:r>
-              <a:rPr lang="zh-TW" altLang="en-US" dirty="0" smtClean="0"/>
-              <a:t>利用</a:t>
-            </a:r>
-            <a:r>
-              <a:rPr lang="en-US" altLang="zh-TW" dirty="0" smtClean="0"/>
-              <a:t>Excel </a:t>
-            </a:r>
-            <a:r>
-              <a:rPr lang="zh-TW" altLang="en-US" dirty="0" smtClean="0"/>
-              <a:t>提供的</a:t>
-            </a:r>
-            <a:r>
-              <a:rPr lang="en-US" altLang="zh-TW" dirty="0" smtClean="0"/>
-              <a:t>[</a:t>
-            </a:r>
-            <a:r>
-              <a:rPr lang="zh-TW" altLang="en-US" dirty="0" smtClean="0"/>
-              <a:t>資料工具箱</a:t>
-            </a:r>
-            <a:r>
-              <a:rPr lang="en-US" altLang="zh-TW" dirty="0" smtClean="0"/>
-              <a:t>] </a:t>
-            </a:r>
-            <a:r>
-              <a:rPr lang="zh-TW" altLang="en-US" dirty="0" smtClean="0"/>
-              <a:t>做關聯度分析</a:t>
-            </a:r>
-            <a:r>
-              <a:rPr lang="en-US" altLang="zh-TW" dirty="0" smtClean="0"/>
-              <a:t>, </a:t>
-            </a:r>
-            <a:r>
-              <a:rPr lang="zh-TW" altLang="en-US" dirty="0" smtClean="0"/>
-              <a:t>迴歸分析</a:t>
-            </a:r>
-            <a:r>
-              <a:rPr lang="en-US" altLang="zh-TW" dirty="0" smtClean="0"/>
-              <a:t>, </a:t>
-            </a:r>
-            <a:r>
-              <a:rPr lang="zh-TW" altLang="en-US" dirty="0" smtClean="0"/>
-              <a:t>生物老師一句話</a:t>
-            </a:r>
-            <a:r>
-              <a:rPr lang="en-US" altLang="zh-TW" dirty="0" smtClean="0"/>
-              <a:t>:”</a:t>
-            </a:r>
-            <a:r>
-              <a:rPr lang="zh-TW" altLang="en-US" dirty="0" smtClean="0"/>
-              <a:t>很多專業的資料分析師都用</a:t>
-            </a:r>
-            <a:r>
-              <a:rPr lang="en-US" altLang="zh-TW" dirty="0" smtClean="0"/>
-              <a:t>Python”</a:t>
-            </a:r>
-          </a:p>
-          <a:p>
-            <a:endParaRPr lang="en-US" altLang="zh-TW" dirty="0"/>
-          </a:p>
-          <a:p>
-            <a:pPr marL="285750" indent="-285750">
-              <a:buFont typeface="Wingdings" panose="05000000000000000000" pitchFamily="2" charset="2"/>
-              <a:buChar char="l"/>
-            </a:pPr>
-            <a:r>
-              <a:rPr lang="zh-TW" altLang="en-US" dirty="0" smtClean="0"/>
-              <a:t>後來決定要走回</a:t>
-            </a:r>
-            <a:r>
-              <a:rPr lang="en-US" altLang="zh-TW" dirty="0" smtClean="0"/>
-              <a:t>2</a:t>
-            </a:r>
-            <a:r>
-              <a:rPr lang="zh-TW" altLang="en-US" dirty="0" smtClean="0"/>
-              <a:t>類科系時</a:t>
-            </a:r>
-            <a:r>
-              <a:rPr lang="en-US" altLang="zh-TW" dirty="0" smtClean="0"/>
-              <a:t>, </a:t>
-            </a:r>
-            <a:r>
-              <a:rPr lang="zh-TW" altLang="en-US" dirty="0" smtClean="0"/>
-              <a:t>先抽空看了</a:t>
-            </a:r>
-            <a:r>
-              <a:rPr lang="en-US" altLang="zh-TW" dirty="0" err="1" smtClean="0"/>
-              <a:t>Ewant</a:t>
-            </a:r>
-            <a:r>
-              <a:rPr lang="en-US" altLang="zh-TW" dirty="0" smtClean="0"/>
-              <a:t> “</a:t>
-            </a:r>
-            <a:r>
-              <a:rPr lang="zh-TW" altLang="en-US" dirty="0" smtClean="0"/>
-              <a:t>資訊科技</a:t>
-            </a:r>
-            <a:r>
-              <a:rPr lang="en-US" altLang="zh-TW" dirty="0" smtClean="0"/>
-              <a:t>”</a:t>
-            </a:r>
-            <a:r>
-              <a:rPr lang="zh-TW" altLang="en-US" dirty="0" smtClean="0"/>
-              <a:t>課程</a:t>
-            </a:r>
-            <a:r>
-              <a:rPr lang="en-US" altLang="zh-TW" dirty="0" smtClean="0"/>
-              <a:t>, </a:t>
-            </a:r>
-            <a:r>
-              <a:rPr lang="zh-TW" altLang="en-US" dirty="0" smtClean="0"/>
-              <a:t>了解了基本的電腦軟硬體運作</a:t>
-            </a:r>
-            <a:endParaRPr lang="en-US" altLang="zh-TW" dirty="0" smtClean="0"/>
-          </a:p>
-          <a:p>
-            <a:pPr marL="285750" indent="-285750">
-              <a:buFont typeface="Wingdings" panose="05000000000000000000" pitchFamily="2" charset="2"/>
-              <a:buChar char="l"/>
-            </a:pPr>
-            <a:endParaRPr lang="en-US" altLang="zh-TW" dirty="0"/>
-          </a:p>
-          <a:p>
-            <a:pPr marL="285750" indent="-285750">
-              <a:buFont typeface="Wingdings" panose="05000000000000000000" pitchFamily="2" charset="2"/>
-              <a:buChar char="l"/>
-            </a:pPr>
-            <a:r>
-              <a:rPr lang="zh-TW" altLang="en-US" dirty="0" smtClean="0"/>
-              <a:t>再來依照老師建議</a:t>
-            </a:r>
-            <a:r>
-              <a:rPr lang="en-US" altLang="zh-TW" dirty="0" smtClean="0"/>
-              <a:t>, </a:t>
-            </a:r>
-            <a:r>
-              <a:rPr lang="zh-TW" altLang="en-US" dirty="0" smtClean="0"/>
-              <a:t>上了</a:t>
-            </a:r>
-            <a:r>
-              <a:rPr lang="en-US" altLang="zh-TW" dirty="0" err="1" smtClean="0"/>
-              <a:t>Ewant</a:t>
-            </a:r>
-            <a:r>
-              <a:rPr lang="en-US" altLang="zh-TW" dirty="0" smtClean="0"/>
-              <a:t>”</a:t>
-            </a:r>
-            <a:endParaRPr lang="en-US" altLang="zh-TW" dirty="0"/>
-          </a:p>
-          <a:p>
-            <a:pPr marL="285750" indent="-285750">
-              <a:buFont typeface="Wingdings" panose="05000000000000000000" pitchFamily="2" charset="2"/>
-              <a:buChar char="l"/>
-            </a:pPr>
-            <a:endParaRPr lang="zh-TW" altLang="en-US" dirty="0"/>
-          </a:p>
-        </p:txBody>
-      </p:sp>
-    </p:spTree>
-    <p:extLst>
-      <p:ext uri="{BB962C8B-B14F-4D97-AF65-F5344CB8AC3E}">
-        <p14:creationId xmlns:p14="http://schemas.microsoft.com/office/powerpoint/2010/main" val="459257027"/>
       </p:ext>
     </p:extLst>
   </p:cSld>
